--- a/P2P Chat Algorithm.pptx
+++ b/P2P Chat Algorithm.pptx
@@ -11,6 +11,7 @@
     <p:sldId id="259" r:id="rId5"/>
     <p:sldId id="262" r:id="rId6"/>
     <p:sldId id="257" r:id="rId7"/>
+    <p:sldId id="264" r:id="rId8"/>
   </p:sldIdLst>
   <p:sldSz cx="12192000" cy="6858000"/>
   <p:notesSz cx="6858000" cy="9144000"/>
@@ -10128,7 +10129,7 @@
           <a:p>
             <a:fld id="{EA5EFBED-8355-48EC-AE0A-A5723EF3A69E}" type="datetimeFigureOut">
               <a:rPr lang="he-IL" smtClean="0"/>
-              <a:t>כ"ט/תשרי/תשפ"א</a:t>
+              <a:t>ט"ו/חשון/תשפ"א</a:t>
             </a:fld>
             <a:endParaRPr lang="he-IL"/>
           </a:p>
@@ -10298,7 +10299,7 @@
           <a:p>
             <a:fld id="{EA5EFBED-8355-48EC-AE0A-A5723EF3A69E}" type="datetimeFigureOut">
               <a:rPr lang="he-IL" smtClean="0"/>
-              <a:t>כ"ט/תשרי/תשפ"א</a:t>
+              <a:t>ט"ו/חשון/תשפ"א</a:t>
             </a:fld>
             <a:endParaRPr lang="he-IL"/>
           </a:p>
@@ -10478,7 +10479,7 @@
           <a:p>
             <a:fld id="{EA5EFBED-8355-48EC-AE0A-A5723EF3A69E}" type="datetimeFigureOut">
               <a:rPr lang="he-IL" smtClean="0"/>
-              <a:t>כ"ט/תשרי/תשפ"א</a:t>
+              <a:t>ט"ו/חשון/תשפ"א</a:t>
             </a:fld>
             <a:endParaRPr lang="he-IL"/>
           </a:p>
@@ -10648,7 +10649,7 @@
           <a:p>
             <a:fld id="{EA5EFBED-8355-48EC-AE0A-A5723EF3A69E}" type="datetimeFigureOut">
               <a:rPr lang="he-IL" smtClean="0"/>
-              <a:t>כ"ט/תשרי/תשפ"א</a:t>
+              <a:t>ט"ו/חשון/תשפ"א</a:t>
             </a:fld>
             <a:endParaRPr lang="he-IL"/>
           </a:p>
@@ -10894,7 +10895,7 @@
           <a:p>
             <a:fld id="{EA5EFBED-8355-48EC-AE0A-A5723EF3A69E}" type="datetimeFigureOut">
               <a:rPr lang="he-IL" smtClean="0"/>
-              <a:t>כ"ט/תשרי/תשפ"א</a:t>
+              <a:t>ט"ו/חשון/תשפ"א</a:t>
             </a:fld>
             <a:endParaRPr lang="he-IL"/>
           </a:p>
@@ -11126,7 +11127,7 @@
           <a:p>
             <a:fld id="{EA5EFBED-8355-48EC-AE0A-A5723EF3A69E}" type="datetimeFigureOut">
               <a:rPr lang="he-IL" smtClean="0"/>
-              <a:t>כ"ט/תשרי/תשפ"א</a:t>
+              <a:t>ט"ו/חשון/תשפ"א</a:t>
             </a:fld>
             <a:endParaRPr lang="he-IL"/>
           </a:p>
@@ -11493,7 +11494,7 @@
           <a:p>
             <a:fld id="{EA5EFBED-8355-48EC-AE0A-A5723EF3A69E}" type="datetimeFigureOut">
               <a:rPr lang="he-IL" smtClean="0"/>
-              <a:t>כ"ט/תשרי/תשפ"א</a:t>
+              <a:t>ט"ו/חשון/תשפ"א</a:t>
             </a:fld>
             <a:endParaRPr lang="he-IL"/>
           </a:p>
@@ -11611,7 +11612,7 @@
           <a:p>
             <a:fld id="{EA5EFBED-8355-48EC-AE0A-A5723EF3A69E}" type="datetimeFigureOut">
               <a:rPr lang="he-IL" smtClean="0"/>
-              <a:t>כ"ט/תשרי/תשפ"א</a:t>
+              <a:t>ט"ו/חשון/תשפ"א</a:t>
             </a:fld>
             <a:endParaRPr lang="he-IL"/>
           </a:p>
@@ -11706,7 +11707,7 @@
           <a:p>
             <a:fld id="{EA5EFBED-8355-48EC-AE0A-A5723EF3A69E}" type="datetimeFigureOut">
               <a:rPr lang="he-IL" smtClean="0"/>
-              <a:t>כ"ט/תשרי/תשפ"א</a:t>
+              <a:t>ט"ו/חשון/תשפ"א</a:t>
             </a:fld>
             <a:endParaRPr lang="he-IL"/>
           </a:p>
@@ -11983,7 +11984,7 @@
           <a:p>
             <a:fld id="{EA5EFBED-8355-48EC-AE0A-A5723EF3A69E}" type="datetimeFigureOut">
               <a:rPr lang="he-IL" smtClean="0"/>
-              <a:t>כ"ט/תשרי/תשפ"א</a:t>
+              <a:t>ט"ו/חשון/תשפ"א</a:t>
             </a:fld>
             <a:endParaRPr lang="he-IL"/>
           </a:p>
@@ -12240,7 +12241,7 @@
           <a:p>
             <a:fld id="{EA5EFBED-8355-48EC-AE0A-A5723EF3A69E}" type="datetimeFigureOut">
               <a:rPr lang="he-IL" smtClean="0"/>
-              <a:t>כ"ט/תשרי/תשפ"א</a:t>
+              <a:t>ט"ו/חשון/תשפ"א</a:t>
             </a:fld>
             <a:endParaRPr lang="he-IL"/>
           </a:p>
@@ -12453,7 +12454,7 @@
           <a:p>
             <a:fld id="{EA5EFBED-8355-48EC-AE0A-A5723EF3A69E}" type="datetimeFigureOut">
               <a:rPr lang="he-IL" smtClean="0"/>
-              <a:t>כ"ט/תשרי/תשפ"א</a:t>
+              <a:t>ט"ו/חשון/תשפ"א</a:t>
             </a:fld>
             <a:endParaRPr lang="he-IL"/>
           </a:p>
@@ -18099,6 +18100,1870 @@
 </p:sld>
 </file>
 
+<file path=ppt/slides/slide7.xml><?xml version="1.0" encoding="utf-8"?>
+<p:sld xmlns:a="http://schemas.openxmlformats.org/drawingml/2006/main" xmlns:r="http://schemas.openxmlformats.org/officeDocument/2006/relationships" xmlns:p="http://schemas.openxmlformats.org/presentationml/2006/main">
+  <p:cSld>
+    <p:spTree>
+      <p:nvGrpSpPr>
+        <p:cNvPr id="1" name=""/>
+        <p:cNvGrpSpPr/>
+        <p:nvPr/>
+      </p:nvGrpSpPr>
+      <p:grpSpPr>
+        <a:xfrm>
+          <a:off x="0" y="0"/>
+          <a:ext cx="0" cy="0"/>
+          <a:chOff x="0" y="0"/>
+          <a:chExt cx="0" cy="0"/>
+        </a:xfrm>
+      </p:grpSpPr>
+      <p:sp>
+        <p:nvSpPr>
+          <p:cNvPr id="4" name="צורה חופשית: צורה 3">
+            <a:extLst>
+              <a:ext uri="{FF2B5EF4-FFF2-40B4-BE49-F238E27FC236}">
+                <a16:creationId xmlns:a16="http://schemas.microsoft.com/office/drawing/2014/main" id="{048E314E-5C28-49C4-BAD1-8205E18E47D8}"/>
+              </a:ext>
+            </a:extLst>
+          </p:cNvPr>
+          <p:cNvSpPr/>
+          <p:nvPr/>
+        </p:nvSpPr>
+        <p:spPr>
+          <a:xfrm rot="17894499">
+            <a:off x="2338296" y="2826654"/>
+            <a:ext cx="1605875" cy="121812"/>
+          </a:xfrm>
+          <a:custGeom>
+            <a:avLst/>
+            <a:gdLst>
+              <a:gd name="connsiteX0" fmla="*/ 0 w 696473"/>
+              <a:gd name="connsiteY0" fmla="*/ 45720 h 91440"/>
+              <a:gd name="connsiteX1" fmla="*/ 696473 w 696473"/>
+              <a:gd name="connsiteY1" fmla="*/ 45720 h 91440"/>
+            </a:gdLst>
+            <a:ahLst/>
+            <a:cxnLst>
+              <a:cxn ang="0">
+                <a:pos x="connsiteX0" y="connsiteY0"/>
+              </a:cxn>
+              <a:cxn ang="0">
+                <a:pos x="connsiteX1" y="connsiteY1"/>
+              </a:cxn>
+            </a:cxnLst>
+            <a:rect l="l" t="t" r="r" b="b"/>
+            <a:pathLst>
+              <a:path w="696473" h="91440">
+                <a:moveTo>
+                  <a:pt x="0" y="45720"/>
+                </a:moveTo>
+                <a:lnTo>
+                  <a:pt x="696473" y="45720"/>
+                </a:lnTo>
+              </a:path>
+            </a:pathLst>
+          </a:custGeom>
+          <a:noFill/>
+          <a:ln>
+            <a:tailEnd type="arrow"/>
+          </a:ln>
+        </p:spPr>
+        <p:style>
+          <a:lnRef idx="1">
+            <a:schemeClr val="accent5">
+              <a:hueOff val="0"/>
+              <a:satOff val="0"/>
+              <a:lumOff val="0"/>
+              <a:alphaOff val="0"/>
+            </a:schemeClr>
+          </a:lnRef>
+          <a:fillRef idx="0">
+            <a:scrgbClr r="0" g="0" b="0"/>
+          </a:fillRef>
+          <a:effectRef idx="0">
+            <a:scrgbClr r="0" g="0" b="0"/>
+          </a:effectRef>
+          <a:fontRef idx="minor">
+            <a:schemeClr val="tx1">
+              <a:hueOff val="0"/>
+              <a:satOff val="0"/>
+              <a:lumOff val="0"/>
+              <a:alphaOff val="0"/>
+            </a:schemeClr>
+          </a:fontRef>
+        </p:style>
+        <p:txBody>
+          <a:bodyPr spcFirstLastPara="0" vert="horz" wrap="square" lIns="342760" tIns="42085" rIns="342760" bIns="42085" numCol="1" spcCol="1270" anchor="ctr" anchorCtr="0">
+            <a:noAutofit/>
+          </a:bodyPr>
+          <a:lstStyle/>
+          <a:p>
+            <a:pPr marL="0" lvl="0" indent="0" algn="ctr" defTabSz="222250" rtl="1">
+              <a:lnSpc>
+                <a:spcPct val="90000"/>
+              </a:lnSpc>
+              <a:spcBef>
+                <a:spcPct val="0"/>
+              </a:spcBef>
+              <a:spcAft>
+                <a:spcPct val="35000"/>
+              </a:spcAft>
+              <a:buNone/>
+            </a:pPr>
+            <a:endParaRPr lang="he-IL" sz="500" kern="1200"/>
+          </a:p>
+        </p:txBody>
+      </p:sp>
+      <p:sp>
+        <p:nvSpPr>
+          <p:cNvPr id="5" name="צורה חופשית: צורה 4">
+            <a:extLst>
+              <a:ext uri="{FF2B5EF4-FFF2-40B4-BE49-F238E27FC236}">
+                <a16:creationId xmlns:a16="http://schemas.microsoft.com/office/drawing/2014/main" id="{66F55E71-EAA2-44E1-8BB1-5E961CBBE702}"/>
+              </a:ext>
+            </a:extLst>
+          </p:cNvPr>
+          <p:cNvSpPr/>
+          <p:nvPr/>
+        </p:nvSpPr>
+        <p:spPr>
+          <a:xfrm>
+            <a:off x="312816" y="3076575"/>
+            <a:ext cx="2230359" cy="1149987"/>
+          </a:xfrm>
+          <a:custGeom>
+            <a:avLst/>
+            <a:gdLst>
+              <a:gd name="connsiteX0" fmla="*/ 0 w 3161189"/>
+              <a:gd name="connsiteY0" fmla="*/ 0 h 1896713"/>
+              <a:gd name="connsiteX1" fmla="*/ 3161189 w 3161189"/>
+              <a:gd name="connsiteY1" fmla="*/ 0 h 1896713"/>
+              <a:gd name="connsiteX2" fmla="*/ 3161189 w 3161189"/>
+              <a:gd name="connsiteY2" fmla="*/ 1896713 h 1896713"/>
+              <a:gd name="connsiteX3" fmla="*/ 0 w 3161189"/>
+              <a:gd name="connsiteY3" fmla="*/ 1896713 h 1896713"/>
+              <a:gd name="connsiteX4" fmla="*/ 0 w 3161189"/>
+              <a:gd name="connsiteY4" fmla="*/ 0 h 1896713"/>
+            </a:gdLst>
+            <a:ahLst/>
+            <a:cxnLst>
+              <a:cxn ang="0">
+                <a:pos x="connsiteX0" y="connsiteY0"/>
+              </a:cxn>
+              <a:cxn ang="0">
+                <a:pos x="connsiteX1" y="connsiteY1"/>
+              </a:cxn>
+              <a:cxn ang="0">
+                <a:pos x="connsiteX2" y="connsiteY2"/>
+              </a:cxn>
+              <a:cxn ang="0">
+                <a:pos x="connsiteX3" y="connsiteY3"/>
+              </a:cxn>
+              <a:cxn ang="0">
+                <a:pos x="connsiteX4" y="connsiteY4"/>
+              </a:cxn>
+            </a:cxnLst>
+            <a:rect l="l" t="t" r="r" b="b"/>
+            <a:pathLst>
+              <a:path w="3161189" h="1896713">
+                <a:moveTo>
+                  <a:pt x="0" y="0"/>
+                </a:moveTo>
+                <a:lnTo>
+                  <a:pt x="3161189" y="0"/>
+                </a:lnTo>
+                <a:lnTo>
+                  <a:pt x="3161189" y="1896713"/>
+                </a:lnTo>
+                <a:lnTo>
+                  <a:pt x="0" y="1896713"/>
+                </a:lnTo>
+                <a:lnTo>
+                  <a:pt x="0" y="0"/>
+                </a:lnTo>
+                <a:close/>
+              </a:path>
+            </a:pathLst>
+          </a:custGeom>
+        </p:spPr>
+        <p:style>
+          <a:lnRef idx="2">
+            <a:schemeClr val="lt1">
+              <a:hueOff val="0"/>
+              <a:satOff val="0"/>
+              <a:lumOff val="0"/>
+              <a:alphaOff val="0"/>
+            </a:schemeClr>
+          </a:lnRef>
+          <a:fillRef idx="1">
+            <a:schemeClr val="accent5">
+              <a:hueOff val="0"/>
+              <a:satOff val="0"/>
+              <a:lumOff val="0"/>
+              <a:alphaOff val="0"/>
+            </a:schemeClr>
+          </a:fillRef>
+          <a:effectRef idx="0">
+            <a:schemeClr val="accent5">
+              <a:hueOff val="0"/>
+              <a:satOff val="0"/>
+              <a:lumOff val="0"/>
+              <a:alphaOff val="0"/>
+            </a:schemeClr>
+          </a:effectRef>
+          <a:fontRef idx="minor">
+            <a:schemeClr val="lt1"/>
+          </a:fontRef>
+        </p:style>
+        <p:txBody>
+          <a:bodyPr spcFirstLastPara="0" vert="horz" wrap="square" lIns="170688" tIns="170688" rIns="170688" bIns="170688" numCol="1" spcCol="1270" anchor="ctr" anchorCtr="0">
+            <a:noAutofit/>
+          </a:bodyPr>
+          <a:lstStyle/>
+          <a:p>
+            <a:pPr marL="0" lvl="0" indent="0" algn="ctr" defTabSz="1066800" rtl="1">
+              <a:lnSpc>
+                <a:spcPct val="90000"/>
+              </a:lnSpc>
+              <a:spcBef>
+                <a:spcPct val="0"/>
+              </a:spcBef>
+              <a:spcAft>
+                <a:spcPct val="35000"/>
+              </a:spcAft>
+              <a:buNone/>
+            </a:pPr>
+            <a:r>
+              <a:rPr lang="en-US" kern="1200" dirty="0"/>
+              <a:t>C</a:t>
+            </a:r>
+            <a:r>
+              <a:rPr lang="en-US" dirty="0"/>
+              <a:t>lient thread and server thread are created at suspended state</a:t>
+            </a:r>
+            <a:endParaRPr lang="he-IL" kern="1200" dirty="0"/>
+          </a:p>
+        </p:txBody>
+      </p:sp>
+      <p:sp>
+        <p:nvSpPr>
+          <p:cNvPr id="6" name="צורה חופשית: צורה 5">
+            <a:extLst>
+              <a:ext uri="{FF2B5EF4-FFF2-40B4-BE49-F238E27FC236}">
+                <a16:creationId xmlns:a16="http://schemas.microsoft.com/office/drawing/2014/main" id="{2E0FAD22-7199-4175-B3A4-0F2DD7701759}"/>
+              </a:ext>
+            </a:extLst>
+          </p:cNvPr>
+          <p:cNvSpPr/>
+          <p:nvPr/>
+        </p:nvSpPr>
+        <p:spPr>
+          <a:xfrm>
+            <a:off x="2465424" y="857250"/>
+            <a:ext cx="2230359" cy="1149987"/>
+          </a:xfrm>
+          <a:custGeom>
+            <a:avLst/>
+            <a:gdLst>
+              <a:gd name="connsiteX0" fmla="*/ 0 w 3161189"/>
+              <a:gd name="connsiteY0" fmla="*/ 0 h 1896713"/>
+              <a:gd name="connsiteX1" fmla="*/ 3161189 w 3161189"/>
+              <a:gd name="connsiteY1" fmla="*/ 0 h 1896713"/>
+              <a:gd name="connsiteX2" fmla="*/ 3161189 w 3161189"/>
+              <a:gd name="connsiteY2" fmla="*/ 1896713 h 1896713"/>
+              <a:gd name="connsiteX3" fmla="*/ 0 w 3161189"/>
+              <a:gd name="connsiteY3" fmla="*/ 1896713 h 1896713"/>
+              <a:gd name="connsiteX4" fmla="*/ 0 w 3161189"/>
+              <a:gd name="connsiteY4" fmla="*/ 0 h 1896713"/>
+            </a:gdLst>
+            <a:ahLst/>
+            <a:cxnLst>
+              <a:cxn ang="0">
+                <a:pos x="connsiteX0" y="connsiteY0"/>
+              </a:cxn>
+              <a:cxn ang="0">
+                <a:pos x="connsiteX1" y="connsiteY1"/>
+              </a:cxn>
+              <a:cxn ang="0">
+                <a:pos x="connsiteX2" y="connsiteY2"/>
+              </a:cxn>
+              <a:cxn ang="0">
+                <a:pos x="connsiteX3" y="connsiteY3"/>
+              </a:cxn>
+              <a:cxn ang="0">
+                <a:pos x="connsiteX4" y="connsiteY4"/>
+              </a:cxn>
+            </a:cxnLst>
+            <a:rect l="l" t="t" r="r" b="b"/>
+            <a:pathLst>
+              <a:path w="3161189" h="1896713">
+                <a:moveTo>
+                  <a:pt x="0" y="0"/>
+                </a:moveTo>
+                <a:lnTo>
+                  <a:pt x="3161189" y="0"/>
+                </a:lnTo>
+                <a:lnTo>
+                  <a:pt x="3161189" y="1896713"/>
+                </a:lnTo>
+                <a:lnTo>
+                  <a:pt x="0" y="1896713"/>
+                </a:lnTo>
+                <a:lnTo>
+                  <a:pt x="0" y="0"/>
+                </a:lnTo>
+                <a:close/>
+              </a:path>
+            </a:pathLst>
+          </a:custGeom>
+        </p:spPr>
+        <p:style>
+          <a:lnRef idx="2">
+            <a:schemeClr val="lt1">
+              <a:hueOff val="0"/>
+              <a:satOff val="0"/>
+              <a:lumOff val="0"/>
+              <a:alphaOff val="0"/>
+            </a:schemeClr>
+          </a:lnRef>
+          <a:fillRef idx="1">
+            <a:schemeClr val="accent5">
+              <a:hueOff val="0"/>
+              <a:satOff val="0"/>
+              <a:lumOff val="0"/>
+              <a:alphaOff val="0"/>
+            </a:schemeClr>
+          </a:fillRef>
+          <a:effectRef idx="0">
+            <a:schemeClr val="accent5">
+              <a:hueOff val="0"/>
+              <a:satOff val="0"/>
+              <a:lumOff val="0"/>
+              <a:alphaOff val="0"/>
+            </a:schemeClr>
+          </a:effectRef>
+          <a:fontRef idx="minor">
+            <a:schemeClr val="lt1"/>
+          </a:fontRef>
+        </p:style>
+        <p:txBody>
+          <a:bodyPr spcFirstLastPara="0" vert="horz" wrap="square" lIns="170688" tIns="170688" rIns="170688" bIns="170688" numCol="1" spcCol="1270" anchor="ctr" anchorCtr="0">
+            <a:noAutofit/>
+          </a:bodyPr>
+          <a:lstStyle/>
+          <a:p>
+            <a:pPr marL="0" lvl="0" indent="0" algn="ctr" defTabSz="1066800" rtl="1">
+              <a:lnSpc>
+                <a:spcPct val="90000"/>
+              </a:lnSpc>
+              <a:spcBef>
+                <a:spcPct val="0"/>
+              </a:spcBef>
+              <a:spcAft>
+                <a:spcPct val="35000"/>
+              </a:spcAft>
+              <a:buNone/>
+            </a:pPr>
+            <a:r>
+              <a:rPr lang="en-US" dirty="0"/>
+              <a:t>Server thread runs at background</a:t>
+            </a:r>
+            <a:endParaRPr lang="he-IL" kern="1200" dirty="0"/>
+          </a:p>
+        </p:txBody>
+      </p:sp>
+      <p:sp>
+        <p:nvSpPr>
+          <p:cNvPr id="7" name="צורה חופשית: צורה 6">
+            <a:extLst>
+              <a:ext uri="{FF2B5EF4-FFF2-40B4-BE49-F238E27FC236}">
+                <a16:creationId xmlns:a16="http://schemas.microsoft.com/office/drawing/2014/main" id="{456A330D-7AE0-4216-BD27-CBCC4DFEE3CC}"/>
+              </a:ext>
+            </a:extLst>
+          </p:cNvPr>
+          <p:cNvSpPr/>
+          <p:nvPr/>
+        </p:nvSpPr>
+        <p:spPr>
+          <a:xfrm>
+            <a:off x="5258758" y="857250"/>
+            <a:ext cx="2811340" cy="1149987"/>
+          </a:xfrm>
+          <a:custGeom>
+            <a:avLst/>
+            <a:gdLst>
+              <a:gd name="connsiteX0" fmla="*/ 0 w 3161189"/>
+              <a:gd name="connsiteY0" fmla="*/ 0 h 1896713"/>
+              <a:gd name="connsiteX1" fmla="*/ 3161189 w 3161189"/>
+              <a:gd name="connsiteY1" fmla="*/ 0 h 1896713"/>
+              <a:gd name="connsiteX2" fmla="*/ 3161189 w 3161189"/>
+              <a:gd name="connsiteY2" fmla="*/ 1896713 h 1896713"/>
+              <a:gd name="connsiteX3" fmla="*/ 0 w 3161189"/>
+              <a:gd name="connsiteY3" fmla="*/ 1896713 h 1896713"/>
+              <a:gd name="connsiteX4" fmla="*/ 0 w 3161189"/>
+              <a:gd name="connsiteY4" fmla="*/ 0 h 1896713"/>
+            </a:gdLst>
+            <a:ahLst/>
+            <a:cxnLst>
+              <a:cxn ang="0">
+                <a:pos x="connsiteX0" y="connsiteY0"/>
+              </a:cxn>
+              <a:cxn ang="0">
+                <a:pos x="connsiteX1" y="connsiteY1"/>
+              </a:cxn>
+              <a:cxn ang="0">
+                <a:pos x="connsiteX2" y="connsiteY2"/>
+              </a:cxn>
+              <a:cxn ang="0">
+                <a:pos x="connsiteX3" y="connsiteY3"/>
+              </a:cxn>
+              <a:cxn ang="0">
+                <a:pos x="connsiteX4" y="connsiteY4"/>
+              </a:cxn>
+            </a:cxnLst>
+            <a:rect l="l" t="t" r="r" b="b"/>
+            <a:pathLst>
+              <a:path w="3161189" h="1896713">
+                <a:moveTo>
+                  <a:pt x="0" y="0"/>
+                </a:moveTo>
+                <a:lnTo>
+                  <a:pt x="3161189" y="0"/>
+                </a:lnTo>
+                <a:lnTo>
+                  <a:pt x="3161189" y="1896713"/>
+                </a:lnTo>
+                <a:lnTo>
+                  <a:pt x="0" y="1896713"/>
+                </a:lnTo>
+                <a:lnTo>
+                  <a:pt x="0" y="0"/>
+                </a:lnTo>
+                <a:close/>
+              </a:path>
+            </a:pathLst>
+          </a:custGeom>
+        </p:spPr>
+        <p:style>
+          <a:lnRef idx="2">
+            <a:schemeClr val="lt1">
+              <a:hueOff val="0"/>
+              <a:satOff val="0"/>
+              <a:lumOff val="0"/>
+              <a:alphaOff val="0"/>
+            </a:schemeClr>
+          </a:lnRef>
+          <a:fillRef idx="1">
+            <a:schemeClr val="accent5">
+              <a:hueOff val="0"/>
+              <a:satOff val="0"/>
+              <a:lumOff val="0"/>
+              <a:alphaOff val="0"/>
+            </a:schemeClr>
+          </a:fillRef>
+          <a:effectRef idx="0">
+            <a:schemeClr val="accent5">
+              <a:hueOff val="0"/>
+              <a:satOff val="0"/>
+              <a:lumOff val="0"/>
+              <a:alphaOff val="0"/>
+            </a:schemeClr>
+          </a:effectRef>
+          <a:fontRef idx="minor">
+            <a:schemeClr val="lt1"/>
+          </a:fontRef>
+        </p:style>
+        <p:txBody>
+          <a:bodyPr spcFirstLastPara="0" vert="horz" wrap="square" lIns="170688" tIns="170688" rIns="170688" bIns="170688" numCol="1" spcCol="1270" anchor="ctr" anchorCtr="0">
+            <a:noAutofit/>
+          </a:bodyPr>
+          <a:lstStyle/>
+          <a:p>
+            <a:pPr marL="0" lvl="0" indent="0" algn="ctr" defTabSz="1066800" rtl="1">
+              <a:lnSpc>
+                <a:spcPct val="90000"/>
+              </a:lnSpc>
+              <a:spcBef>
+                <a:spcPct val="0"/>
+              </a:spcBef>
+              <a:spcAft>
+                <a:spcPct val="35000"/>
+              </a:spcAft>
+              <a:buNone/>
+            </a:pPr>
+            <a:r>
+              <a:rPr lang="en-US" sz="1400" kern="1200" dirty="0"/>
+              <a:t>If there’s an invitation attempt or a message is being received, the client thread is suspended until actions in server thread are done</a:t>
+            </a:r>
+            <a:r>
+              <a:rPr lang="en-US" sz="1400" dirty="0"/>
+              <a:t>.</a:t>
+            </a:r>
+            <a:endParaRPr lang="he-IL" sz="1400" kern="1200" dirty="0"/>
+          </a:p>
+        </p:txBody>
+      </p:sp>
+      <p:sp>
+        <p:nvSpPr>
+          <p:cNvPr id="8" name="צורה חופשית: צורה 7">
+            <a:extLst>
+              <a:ext uri="{FF2B5EF4-FFF2-40B4-BE49-F238E27FC236}">
+                <a16:creationId xmlns:a16="http://schemas.microsoft.com/office/drawing/2014/main" id="{FF330B49-C85E-4A15-8FA2-F4D477FE751C}"/>
+              </a:ext>
+            </a:extLst>
+          </p:cNvPr>
+          <p:cNvSpPr/>
+          <p:nvPr/>
+        </p:nvSpPr>
+        <p:spPr>
+          <a:xfrm>
+            <a:off x="4791991" y="1432243"/>
+            <a:ext cx="370559" cy="45719"/>
+          </a:xfrm>
+          <a:custGeom>
+            <a:avLst/>
+            <a:gdLst>
+              <a:gd name="connsiteX0" fmla="*/ 0 w 696473"/>
+              <a:gd name="connsiteY0" fmla="*/ 45720 h 91440"/>
+              <a:gd name="connsiteX1" fmla="*/ 696473 w 696473"/>
+              <a:gd name="connsiteY1" fmla="*/ 45720 h 91440"/>
+            </a:gdLst>
+            <a:ahLst/>
+            <a:cxnLst>
+              <a:cxn ang="0">
+                <a:pos x="connsiteX0" y="connsiteY0"/>
+              </a:cxn>
+              <a:cxn ang="0">
+                <a:pos x="connsiteX1" y="connsiteY1"/>
+              </a:cxn>
+            </a:cxnLst>
+            <a:rect l="l" t="t" r="r" b="b"/>
+            <a:pathLst>
+              <a:path w="696473" h="91440">
+                <a:moveTo>
+                  <a:pt x="0" y="45720"/>
+                </a:moveTo>
+                <a:lnTo>
+                  <a:pt x="696473" y="45720"/>
+                </a:lnTo>
+              </a:path>
+            </a:pathLst>
+          </a:custGeom>
+          <a:noFill/>
+          <a:ln>
+            <a:tailEnd type="arrow"/>
+          </a:ln>
+        </p:spPr>
+        <p:style>
+          <a:lnRef idx="1">
+            <a:schemeClr val="accent5">
+              <a:hueOff val="0"/>
+              <a:satOff val="0"/>
+              <a:lumOff val="0"/>
+              <a:alphaOff val="0"/>
+            </a:schemeClr>
+          </a:lnRef>
+          <a:fillRef idx="0">
+            <a:scrgbClr r="0" g="0" b="0"/>
+          </a:fillRef>
+          <a:effectRef idx="0">
+            <a:scrgbClr r="0" g="0" b="0"/>
+          </a:effectRef>
+          <a:fontRef idx="minor">
+            <a:schemeClr val="tx1">
+              <a:hueOff val="0"/>
+              <a:satOff val="0"/>
+              <a:lumOff val="0"/>
+              <a:alphaOff val="0"/>
+            </a:schemeClr>
+          </a:fontRef>
+        </p:style>
+        <p:txBody>
+          <a:bodyPr spcFirstLastPara="0" vert="horz" wrap="square" lIns="342760" tIns="42085" rIns="342760" bIns="42085" numCol="1" spcCol="1270" anchor="ctr" anchorCtr="0">
+            <a:noAutofit/>
+          </a:bodyPr>
+          <a:lstStyle/>
+          <a:p>
+            <a:pPr marL="0" lvl="0" indent="0" algn="ctr" defTabSz="222250" rtl="1">
+              <a:lnSpc>
+                <a:spcPct val="90000"/>
+              </a:lnSpc>
+              <a:spcBef>
+                <a:spcPct val="0"/>
+              </a:spcBef>
+              <a:spcAft>
+                <a:spcPct val="35000"/>
+              </a:spcAft>
+              <a:buNone/>
+            </a:pPr>
+            <a:endParaRPr lang="he-IL" sz="500" kern="1200"/>
+          </a:p>
+        </p:txBody>
+      </p:sp>
+      <p:sp>
+        <p:nvSpPr>
+          <p:cNvPr id="9" name="צורה חופשית: צורה 8">
+            <a:extLst>
+              <a:ext uri="{FF2B5EF4-FFF2-40B4-BE49-F238E27FC236}">
+                <a16:creationId xmlns:a16="http://schemas.microsoft.com/office/drawing/2014/main" id="{EB1243F8-B6BA-4042-928D-E3F47A80B854}"/>
+              </a:ext>
+            </a:extLst>
+          </p:cNvPr>
+          <p:cNvSpPr/>
+          <p:nvPr/>
+        </p:nvSpPr>
+        <p:spPr>
+          <a:xfrm>
+            <a:off x="8523324" y="857249"/>
+            <a:ext cx="2018779" cy="1149987"/>
+          </a:xfrm>
+          <a:custGeom>
+            <a:avLst/>
+            <a:gdLst>
+              <a:gd name="connsiteX0" fmla="*/ 0 w 3161189"/>
+              <a:gd name="connsiteY0" fmla="*/ 0 h 1896713"/>
+              <a:gd name="connsiteX1" fmla="*/ 3161189 w 3161189"/>
+              <a:gd name="connsiteY1" fmla="*/ 0 h 1896713"/>
+              <a:gd name="connsiteX2" fmla="*/ 3161189 w 3161189"/>
+              <a:gd name="connsiteY2" fmla="*/ 1896713 h 1896713"/>
+              <a:gd name="connsiteX3" fmla="*/ 0 w 3161189"/>
+              <a:gd name="connsiteY3" fmla="*/ 1896713 h 1896713"/>
+              <a:gd name="connsiteX4" fmla="*/ 0 w 3161189"/>
+              <a:gd name="connsiteY4" fmla="*/ 0 h 1896713"/>
+            </a:gdLst>
+            <a:ahLst/>
+            <a:cxnLst>
+              <a:cxn ang="0">
+                <a:pos x="connsiteX0" y="connsiteY0"/>
+              </a:cxn>
+              <a:cxn ang="0">
+                <a:pos x="connsiteX1" y="connsiteY1"/>
+              </a:cxn>
+              <a:cxn ang="0">
+                <a:pos x="connsiteX2" y="connsiteY2"/>
+              </a:cxn>
+              <a:cxn ang="0">
+                <a:pos x="connsiteX3" y="connsiteY3"/>
+              </a:cxn>
+              <a:cxn ang="0">
+                <a:pos x="connsiteX4" y="connsiteY4"/>
+              </a:cxn>
+            </a:cxnLst>
+            <a:rect l="l" t="t" r="r" b="b"/>
+            <a:pathLst>
+              <a:path w="3161189" h="1896713">
+                <a:moveTo>
+                  <a:pt x="0" y="0"/>
+                </a:moveTo>
+                <a:lnTo>
+                  <a:pt x="3161189" y="0"/>
+                </a:lnTo>
+                <a:lnTo>
+                  <a:pt x="3161189" y="1896713"/>
+                </a:lnTo>
+                <a:lnTo>
+                  <a:pt x="0" y="1896713"/>
+                </a:lnTo>
+                <a:lnTo>
+                  <a:pt x="0" y="0"/>
+                </a:lnTo>
+                <a:close/>
+              </a:path>
+            </a:pathLst>
+          </a:custGeom>
+        </p:spPr>
+        <p:style>
+          <a:lnRef idx="2">
+            <a:schemeClr val="lt1">
+              <a:hueOff val="0"/>
+              <a:satOff val="0"/>
+              <a:lumOff val="0"/>
+              <a:alphaOff val="0"/>
+            </a:schemeClr>
+          </a:lnRef>
+          <a:fillRef idx="1">
+            <a:schemeClr val="accent5">
+              <a:hueOff val="0"/>
+              <a:satOff val="0"/>
+              <a:lumOff val="0"/>
+              <a:alphaOff val="0"/>
+            </a:schemeClr>
+          </a:fillRef>
+          <a:effectRef idx="0">
+            <a:schemeClr val="accent5">
+              <a:hueOff val="0"/>
+              <a:satOff val="0"/>
+              <a:lumOff val="0"/>
+              <a:alphaOff val="0"/>
+            </a:schemeClr>
+          </a:effectRef>
+          <a:fontRef idx="minor">
+            <a:schemeClr val="lt1"/>
+          </a:fontRef>
+        </p:style>
+        <p:txBody>
+          <a:bodyPr spcFirstLastPara="0" vert="horz" wrap="square" lIns="170688" tIns="170688" rIns="170688" bIns="170688" numCol="1" spcCol="1270" anchor="ctr" anchorCtr="0">
+            <a:noAutofit/>
+          </a:bodyPr>
+          <a:lstStyle/>
+          <a:p>
+            <a:pPr marL="0" lvl="0" indent="0" algn="ctr" defTabSz="1066800" rtl="1">
+              <a:lnSpc>
+                <a:spcPct val="90000"/>
+              </a:lnSpc>
+              <a:spcBef>
+                <a:spcPct val="0"/>
+              </a:spcBef>
+              <a:spcAft>
+                <a:spcPct val="35000"/>
+              </a:spcAft>
+              <a:buNone/>
+            </a:pPr>
+            <a:r>
+              <a:rPr lang="en-US" dirty="0"/>
+              <a:t>Client thread is resumed</a:t>
+            </a:r>
+            <a:endParaRPr lang="he-IL" kern="1200" dirty="0"/>
+          </a:p>
+        </p:txBody>
+      </p:sp>
+      <p:sp>
+        <p:nvSpPr>
+          <p:cNvPr id="10" name="צורה חופשית: צורה 9">
+            <a:extLst>
+              <a:ext uri="{FF2B5EF4-FFF2-40B4-BE49-F238E27FC236}">
+                <a16:creationId xmlns:a16="http://schemas.microsoft.com/office/drawing/2014/main" id="{36FA9D1F-A159-470D-AF45-A38C1D86BDFA}"/>
+              </a:ext>
+            </a:extLst>
+          </p:cNvPr>
+          <p:cNvSpPr/>
+          <p:nvPr/>
+        </p:nvSpPr>
+        <p:spPr>
+          <a:xfrm>
+            <a:off x="2459653" y="4850764"/>
+            <a:ext cx="2230359" cy="1149987"/>
+          </a:xfrm>
+          <a:custGeom>
+            <a:avLst/>
+            <a:gdLst>
+              <a:gd name="connsiteX0" fmla="*/ 0 w 3161189"/>
+              <a:gd name="connsiteY0" fmla="*/ 0 h 1896713"/>
+              <a:gd name="connsiteX1" fmla="*/ 3161189 w 3161189"/>
+              <a:gd name="connsiteY1" fmla="*/ 0 h 1896713"/>
+              <a:gd name="connsiteX2" fmla="*/ 3161189 w 3161189"/>
+              <a:gd name="connsiteY2" fmla="*/ 1896713 h 1896713"/>
+              <a:gd name="connsiteX3" fmla="*/ 0 w 3161189"/>
+              <a:gd name="connsiteY3" fmla="*/ 1896713 h 1896713"/>
+              <a:gd name="connsiteX4" fmla="*/ 0 w 3161189"/>
+              <a:gd name="connsiteY4" fmla="*/ 0 h 1896713"/>
+            </a:gdLst>
+            <a:ahLst/>
+            <a:cxnLst>
+              <a:cxn ang="0">
+                <a:pos x="connsiteX0" y="connsiteY0"/>
+              </a:cxn>
+              <a:cxn ang="0">
+                <a:pos x="connsiteX1" y="connsiteY1"/>
+              </a:cxn>
+              <a:cxn ang="0">
+                <a:pos x="connsiteX2" y="connsiteY2"/>
+              </a:cxn>
+              <a:cxn ang="0">
+                <a:pos x="connsiteX3" y="connsiteY3"/>
+              </a:cxn>
+              <a:cxn ang="0">
+                <a:pos x="connsiteX4" y="connsiteY4"/>
+              </a:cxn>
+            </a:cxnLst>
+            <a:rect l="l" t="t" r="r" b="b"/>
+            <a:pathLst>
+              <a:path w="3161189" h="1896713">
+                <a:moveTo>
+                  <a:pt x="0" y="0"/>
+                </a:moveTo>
+                <a:lnTo>
+                  <a:pt x="3161189" y="0"/>
+                </a:lnTo>
+                <a:lnTo>
+                  <a:pt x="3161189" y="1896713"/>
+                </a:lnTo>
+                <a:lnTo>
+                  <a:pt x="0" y="1896713"/>
+                </a:lnTo>
+                <a:lnTo>
+                  <a:pt x="0" y="0"/>
+                </a:lnTo>
+                <a:close/>
+              </a:path>
+            </a:pathLst>
+          </a:custGeom>
+        </p:spPr>
+        <p:style>
+          <a:lnRef idx="2">
+            <a:schemeClr val="lt1">
+              <a:hueOff val="0"/>
+              <a:satOff val="0"/>
+              <a:lumOff val="0"/>
+              <a:alphaOff val="0"/>
+            </a:schemeClr>
+          </a:lnRef>
+          <a:fillRef idx="1">
+            <a:schemeClr val="accent5">
+              <a:hueOff val="0"/>
+              <a:satOff val="0"/>
+              <a:lumOff val="0"/>
+              <a:alphaOff val="0"/>
+            </a:schemeClr>
+          </a:fillRef>
+          <a:effectRef idx="0">
+            <a:schemeClr val="accent5">
+              <a:hueOff val="0"/>
+              <a:satOff val="0"/>
+              <a:lumOff val="0"/>
+              <a:alphaOff val="0"/>
+            </a:schemeClr>
+          </a:effectRef>
+          <a:fontRef idx="minor">
+            <a:schemeClr val="lt1"/>
+          </a:fontRef>
+        </p:style>
+        <p:txBody>
+          <a:bodyPr spcFirstLastPara="0" vert="horz" wrap="square" lIns="170688" tIns="170688" rIns="170688" bIns="170688" numCol="1" spcCol="1270" anchor="ctr" anchorCtr="0">
+            <a:noAutofit/>
+          </a:bodyPr>
+          <a:lstStyle/>
+          <a:p>
+            <a:pPr marL="0" lvl="0" indent="0" algn="ctr" defTabSz="1066800" rtl="1">
+              <a:lnSpc>
+                <a:spcPct val="90000"/>
+              </a:lnSpc>
+              <a:spcBef>
+                <a:spcPct val="0"/>
+              </a:spcBef>
+              <a:spcAft>
+                <a:spcPct val="35000"/>
+              </a:spcAft>
+              <a:buNone/>
+            </a:pPr>
+            <a:r>
+              <a:rPr lang="en-US" kern="1200" dirty="0"/>
+              <a:t>C</a:t>
+            </a:r>
+            <a:r>
+              <a:rPr lang="en-US" dirty="0"/>
+              <a:t>lient thread runs waiting for user input</a:t>
+            </a:r>
+            <a:endParaRPr lang="he-IL" kern="1200" dirty="0"/>
+          </a:p>
+        </p:txBody>
+      </p:sp>
+      <p:sp>
+        <p:nvSpPr>
+          <p:cNvPr id="11" name="צורה חופשית: צורה 10">
+            <a:extLst>
+              <a:ext uri="{FF2B5EF4-FFF2-40B4-BE49-F238E27FC236}">
+                <a16:creationId xmlns:a16="http://schemas.microsoft.com/office/drawing/2014/main" id="{D0024D40-BE56-418C-AB67-9304079724AD}"/>
+              </a:ext>
+            </a:extLst>
+          </p:cNvPr>
+          <p:cNvSpPr/>
+          <p:nvPr/>
+        </p:nvSpPr>
+        <p:spPr>
+          <a:xfrm rot="3649338">
+            <a:off x="2425027" y="4099689"/>
+            <a:ext cx="1317174" cy="112550"/>
+          </a:xfrm>
+          <a:custGeom>
+            <a:avLst/>
+            <a:gdLst>
+              <a:gd name="connsiteX0" fmla="*/ 0 w 696473"/>
+              <a:gd name="connsiteY0" fmla="*/ 45720 h 91440"/>
+              <a:gd name="connsiteX1" fmla="*/ 696473 w 696473"/>
+              <a:gd name="connsiteY1" fmla="*/ 45720 h 91440"/>
+            </a:gdLst>
+            <a:ahLst/>
+            <a:cxnLst>
+              <a:cxn ang="0">
+                <a:pos x="connsiteX0" y="connsiteY0"/>
+              </a:cxn>
+              <a:cxn ang="0">
+                <a:pos x="connsiteX1" y="connsiteY1"/>
+              </a:cxn>
+            </a:cxnLst>
+            <a:rect l="l" t="t" r="r" b="b"/>
+            <a:pathLst>
+              <a:path w="696473" h="91440">
+                <a:moveTo>
+                  <a:pt x="0" y="45720"/>
+                </a:moveTo>
+                <a:lnTo>
+                  <a:pt x="696473" y="45720"/>
+                </a:lnTo>
+              </a:path>
+            </a:pathLst>
+          </a:custGeom>
+          <a:noFill/>
+          <a:ln>
+            <a:tailEnd type="arrow"/>
+          </a:ln>
+        </p:spPr>
+        <p:style>
+          <a:lnRef idx="1">
+            <a:schemeClr val="accent5">
+              <a:hueOff val="0"/>
+              <a:satOff val="0"/>
+              <a:lumOff val="0"/>
+              <a:alphaOff val="0"/>
+            </a:schemeClr>
+          </a:lnRef>
+          <a:fillRef idx="0">
+            <a:scrgbClr r="0" g="0" b="0"/>
+          </a:fillRef>
+          <a:effectRef idx="0">
+            <a:scrgbClr r="0" g="0" b="0"/>
+          </a:effectRef>
+          <a:fontRef idx="minor">
+            <a:schemeClr val="tx1">
+              <a:hueOff val="0"/>
+              <a:satOff val="0"/>
+              <a:lumOff val="0"/>
+              <a:alphaOff val="0"/>
+            </a:schemeClr>
+          </a:fontRef>
+        </p:style>
+        <p:txBody>
+          <a:bodyPr spcFirstLastPara="0" vert="horz" wrap="square" lIns="342760" tIns="42085" rIns="342760" bIns="42085" numCol="1" spcCol="1270" anchor="ctr" anchorCtr="0">
+            <a:noAutofit/>
+          </a:bodyPr>
+          <a:lstStyle/>
+          <a:p>
+            <a:pPr marL="0" lvl="0" indent="0" algn="ctr" defTabSz="222250" rtl="1">
+              <a:lnSpc>
+                <a:spcPct val="90000"/>
+              </a:lnSpc>
+              <a:spcBef>
+                <a:spcPct val="0"/>
+              </a:spcBef>
+              <a:spcAft>
+                <a:spcPct val="35000"/>
+              </a:spcAft>
+              <a:buNone/>
+            </a:pPr>
+            <a:endParaRPr lang="he-IL" sz="500" kern="1200"/>
+          </a:p>
+        </p:txBody>
+      </p:sp>
+      <p:sp>
+        <p:nvSpPr>
+          <p:cNvPr id="12" name="צורה חופשית: צורה 11">
+            <a:extLst>
+              <a:ext uri="{FF2B5EF4-FFF2-40B4-BE49-F238E27FC236}">
+                <a16:creationId xmlns:a16="http://schemas.microsoft.com/office/drawing/2014/main" id="{A4A946F5-4D64-46F3-9903-F7CAA8609958}"/>
+              </a:ext>
+            </a:extLst>
+          </p:cNvPr>
+          <p:cNvSpPr/>
+          <p:nvPr/>
+        </p:nvSpPr>
+        <p:spPr>
+          <a:xfrm>
+            <a:off x="5271631" y="4850763"/>
+            <a:ext cx="2230359" cy="1149987"/>
+          </a:xfrm>
+          <a:custGeom>
+            <a:avLst/>
+            <a:gdLst>
+              <a:gd name="connsiteX0" fmla="*/ 0 w 3161189"/>
+              <a:gd name="connsiteY0" fmla="*/ 0 h 1896713"/>
+              <a:gd name="connsiteX1" fmla="*/ 3161189 w 3161189"/>
+              <a:gd name="connsiteY1" fmla="*/ 0 h 1896713"/>
+              <a:gd name="connsiteX2" fmla="*/ 3161189 w 3161189"/>
+              <a:gd name="connsiteY2" fmla="*/ 1896713 h 1896713"/>
+              <a:gd name="connsiteX3" fmla="*/ 0 w 3161189"/>
+              <a:gd name="connsiteY3" fmla="*/ 1896713 h 1896713"/>
+              <a:gd name="connsiteX4" fmla="*/ 0 w 3161189"/>
+              <a:gd name="connsiteY4" fmla="*/ 0 h 1896713"/>
+            </a:gdLst>
+            <a:ahLst/>
+            <a:cxnLst>
+              <a:cxn ang="0">
+                <a:pos x="connsiteX0" y="connsiteY0"/>
+              </a:cxn>
+              <a:cxn ang="0">
+                <a:pos x="connsiteX1" y="connsiteY1"/>
+              </a:cxn>
+              <a:cxn ang="0">
+                <a:pos x="connsiteX2" y="connsiteY2"/>
+              </a:cxn>
+              <a:cxn ang="0">
+                <a:pos x="connsiteX3" y="connsiteY3"/>
+              </a:cxn>
+              <a:cxn ang="0">
+                <a:pos x="connsiteX4" y="connsiteY4"/>
+              </a:cxn>
+            </a:cxnLst>
+            <a:rect l="l" t="t" r="r" b="b"/>
+            <a:pathLst>
+              <a:path w="3161189" h="1896713">
+                <a:moveTo>
+                  <a:pt x="0" y="0"/>
+                </a:moveTo>
+                <a:lnTo>
+                  <a:pt x="3161189" y="0"/>
+                </a:lnTo>
+                <a:lnTo>
+                  <a:pt x="3161189" y="1896713"/>
+                </a:lnTo>
+                <a:lnTo>
+                  <a:pt x="0" y="1896713"/>
+                </a:lnTo>
+                <a:lnTo>
+                  <a:pt x="0" y="0"/>
+                </a:lnTo>
+                <a:close/>
+              </a:path>
+            </a:pathLst>
+          </a:custGeom>
+        </p:spPr>
+        <p:style>
+          <a:lnRef idx="2">
+            <a:schemeClr val="lt1">
+              <a:hueOff val="0"/>
+              <a:satOff val="0"/>
+              <a:lumOff val="0"/>
+              <a:alphaOff val="0"/>
+            </a:schemeClr>
+          </a:lnRef>
+          <a:fillRef idx="1">
+            <a:schemeClr val="accent5">
+              <a:hueOff val="0"/>
+              <a:satOff val="0"/>
+              <a:lumOff val="0"/>
+              <a:alphaOff val="0"/>
+            </a:schemeClr>
+          </a:fillRef>
+          <a:effectRef idx="0">
+            <a:schemeClr val="accent5">
+              <a:hueOff val="0"/>
+              <a:satOff val="0"/>
+              <a:lumOff val="0"/>
+              <a:alphaOff val="0"/>
+            </a:schemeClr>
+          </a:effectRef>
+          <a:fontRef idx="minor">
+            <a:schemeClr val="lt1"/>
+          </a:fontRef>
+        </p:style>
+        <p:txBody>
+          <a:bodyPr spcFirstLastPara="0" vert="horz" wrap="square" lIns="170688" tIns="170688" rIns="170688" bIns="170688" numCol="1" spcCol="1270" anchor="ctr" anchorCtr="0">
+            <a:noAutofit/>
+          </a:bodyPr>
+          <a:lstStyle/>
+          <a:p>
+            <a:pPr marL="0" lvl="0" indent="0" algn="ctr" defTabSz="1066800" rtl="1">
+              <a:lnSpc>
+                <a:spcPct val="90000"/>
+              </a:lnSpc>
+              <a:spcBef>
+                <a:spcPct val="0"/>
+              </a:spcBef>
+              <a:spcAft>
+                <a:spcPct val="35000"/>
+              </a:spcAft>
+              <a:buNone/>
+            </a:pPr>
+            <a:r>
+              <a:rPr lang="en-US" sz="1600" kern="1200" dirty="0"/>
+              <a:t>If user sends a message, server thread still runs at background</a:t>
+            </a:r>
+            <a:endParaRPr lang="he-IL" sz="1600" kern="1200" dirty="0"/>
+          </a:p>
+        </p:txBody>
+      </p:sp>
+      <p:sp>
+        <p:nvSpPr>
+          <p:cNvPr id="13" name="צורה חופשית: צורה 12">
+            <a:extLst>
+              <a:ext uri="{FF2B5EF4-FFF2-40B4-BE49-F238E27FC236}">
+                <a16:creationId xmlns:a16="http://schemas.microsoft.com/office/drawing/2014/main" id="{EF6ABA45-B2D6-4FE1-B6DF-5968E6C3D876}"/>
+              </a:ext>
+            </a:extLst>
+          </p:cNvPr>
+          <p:cNvSpPr/>
+          <p:nvPr/>
+        </p:nvSpPr>
+        <p:spPr>
+          <a:xfrm>
+            <a:off x="4791991" y="5402896"/>
+            <a:ext cx="370559" cy="45719"/>
+          </a:xfrm>
+          <a:custGeom>
+            <a:avLst/>
+            <a:gdLst>
+              <a:gd name="connsiteX0" fmla="*/ 0 w 696473"/>
+              <a:gd name="connsiteY0" fmla="*/ 45720 h 91440"/>
+              <a:gd name="connsiteX1" fmla="*/ 696473 w 696473"/>
+              <a:gd name="connsiteY1" fmla="*/ 45720 h 91440"/>
+            </a:gdLst>
+            <a:ahLst/>
+            <a:cxnLst>
+              <a:cxn ang="0">
+                <a:pos x="connsiteX0" y="connsiteY0"/>
+              </a:cxn>
+              <a:cxn ang="0">
+                <a:pos x="connsiteX1" y="connsiteY1"/>
+              </a:cxn>
+            </a:cxnLst>
+            <a:rect l="l" t="t" r="r" b="b"/>
+            <a:pathLst>
+              <a:path w="696473" h="91440">
+                <a:moveTo>
+                  <a:pt x="0" y="45720"/>
+                </a:moveTo>
+                <a:lnTo>
+                  <a:pt x="696473" y="45720"/>
+                </a:lnTo>
+              </a:path>
+            </a:pathLst>
+          </a:custGeom>
+          <a:noFill/>
+          <a:ln>
+            <a:tailEnd type="arrow"/>
+          </a:ln>
+        </p:spPr>
+        <p:style>
+          <a:lnRef idx="1">
+            <a:schemeClr val="accent5">
+              <a:hueOff val="0"/>
+              <a:satOff val="0"/>
+              <a:lumOff val="0"/>
+              <a:alphaOff val="0"/>
+            </a:schemeClr>
+          </a:lnRef>
+          <a:fillRef idx="0">
+            <a:scrgbClr r="0" g="0" b="0"/>
+          </a:fillRef>
+          <a:effectRef idx="0">
+            <a:scrgbClr r="0" g="0" b="0"/>
+          </a:effectRef>
+          <a:fontRef idx="minor">
+            <a:schemeClr val="tx1">
+              <a:hueOff val="0"/>
+              <a:satOff val="0"/>
+              <a:lumOff val="0"/>
+              <a:alphaOff val="0"/>
+            </a:schemeClr>
+          </a:fontRef>
+        </p:style>
+        <p:txBody>
+          <a:bodyPr spcFirstLastPara="0" vert="horz" wrap="square" lIns="342760" tIns="42085" rIns="342760" bIns="42085" numCol="1" spcCol="1270" anchor="ctr" anchorCtr="0">
+            <a:noAutofit/>
+          </a:bodyPr>
+          <a:lstStyle/>
+          <a:p>
+            <a:pPr marL="0" lvl="0" indent="0" algn="ctr" defTabSz="222250" rtl="1">
+              <a:lnSpc>
+                <a:spcPct val="90000"/>
+              </a:lnSpc>
+              <a:spcBef>
+                <a:spcPct val="0"/>
+              </a:spcBef>
+              <a:spcAft>
+                <a:spcPct val="35000"/>
+              </a:spcAft>
+              <a:buNone/>
+            </a:pPr>
+            <a:endParaRPr lang="he-IL" sz="500" kern="1200"/>
+          </a:p>
+        </p:txBody>
+      </p:sp>
+      <p:sp>
+        <p:nvSpPr>
+          <p:cNvPr id="14" name="צורה חופשית: צורה 13">
+            <a:extLst>
+              <a:ext uri="{FF2B5EF4-FFF2-40B4-BE49-F238E27FC236}">
+                <a16:creationId xmlns:a16="http://schemas.microsoft.com/office/drawing/2014/main" id="{601780F4-990D-4B81-A92B-C39A8F07DFB4}"/>
+              </a:ext>
+            </a:extLst>
+          </p:cNvPr>
+          <p:cNvSpPr/>
+          <p:nvPr/>
+        </p:nvSpPr>
+        <p:spPr>
+          <a:xfrm>
+            <a:off x="8126465" y="1432242"/>
+            <a:ext cx="370559" cy="45719"/>
+          </a:xfrm>
+          <a:custGeom>
+            <a:avLst/>
+            <a:gdLst>
+              <a:gd name="connsiteX0" fmla="*/ 0 w 696473"/>
+              <a:gd name="connsiteY0" fmla="*/ 45720 h 91440"/>
+              <a:gd name="connsiteX1" fmla="*/ 696473 w 696473"/>
+              <a:gd name="connsiteY1" fmla="*/ 45720 h 91440"/>
+            </a:gdLst>
+            <a:ahLst/>
+            <a:cxnLst>
+              <a:cxn ang="0">
+                <a:pos x="connsiteX0" y="connsiteY0"/>
+              </a:cxn>
+              <a:cxn ang="0">
+                <a:pos x="connsiteX1" y="connsiteY1"/>
+              </a:cxn>
+            </a:cxnLst>
+            <a:rect l="l" t="t" r="r" b="b"/>
+            <a:pathLst>
+              <a:path w="696473" h="91440">
+                <a:moveTo>
+                  <a:pt x="0" y="45720"/>
+                </a:moveTo>
+                <a:lnTo>
+                  <a:pt x="696473" y="45720"/>
+                </a:lnTo>
+              </a:path>
+            </a:pathLst>
+          </a:custGeom>
+          <a:noFill/>
+          <a:ln>
+            <a:tailEnd type="arrow"/>
+          </a:ln>
+        </p:spPr>
+        <p:style>
+          <a:lnRef idx="1">
+            <a:schemeClr val="accent5">
+              <a:hueOff val="0"/>
+              <a:satOff val="0"/>
+              <a:lumOff val="0"/>
+              <a:alphaOff val="0"/>
+            </a:schemeClr>
+          </a:lnRef>
+          <a:fillRef idx="0">
+            <a:scrgbClr r="0" g="0" b="0"/>
+          </a:fillRef>
+          <a:effectRef idx="0">
+            <a:scrgbClr r="0" g="0" b="0"/>
+          </a:effectRef>
+          <a:fontRef idx="minor">
+            <a:schemeClr val="tx1">
+              <a:hueOff val="0"/>
+              <a:satOff val="0"/>
+              <a:lumOff val="0"/>
+              <a:alphaOff val="0"/>
+            </a:schemeClr>
+          </a:fontRef>
+        </p:style>
+        <p:txBody>
+          <a:bodyPr spcFirstLastPara="0" vert="horz" wrap="square" lIns="342760" tIns="42085" rIns="342760" bIns="42085" numCol="1" spcCol="1270" anchor="ctr" anchorCtr="0">
+            <a:noAutofit/>
+          </a:bodyPr>
+          <a:lstStyle/>
+          <a:p>
+            <a:pPr marL="0" lvl="0" indent="0" algn="ctr" defTabSz="222250" rtl="1">
+              <a:lnSpc>
+                <a:spcPct val="90000"/>
+              </a:lnSpc>
+              <a:spcBef>
+                <a:spcPct val="0"/>
+              </a:spcBef>
+              <a:spcAft>
+                <a:spcPct val="35000"/>
+              </a:spcAft>
+              <a:buNone/>
+            </a:pPr>
+            <a:endParaRPr lang="he-IL" sz="500" kern="1200"/>
+          </a:p>
+        </p:txBody>
+      </p:sp>
+      <p:sp>
+        <p:nvSpPr>
+          <p:cNvPr id="17" name="תיבת טקסט 16">
+            <a:extLst>
+              <a:ext uri="{FF2B5EF4-FFF2-40B4-BE49-F238E27FC236}">
+                <a16:creationId xmlns:a16="http://schemas.microsoft.com/office/drawing/2014/main" id="{D37C272B-A9B1-4316-9574-E73036C0AAB4}"/>
+              </a:ext>
+            </a:extLst>
+          </p:cNvPr>
+          <p:cNvSpPr txBox="1"/>
+          <p:nvPr/>
+        </p:nvSpPr>
+        <p:spPr>
+          <a:xfrm>
+            <a:off x="3424237" y="128327"/>
+            <a:ext cx="5343525" cy="584775"/>
+          </a:xfrm>
+          <a:prstGeom prst="rect">
+            <a:avLst/>
+          </a:prstGeom>
+          <a:noFill/>
+        </p:spPr>
+        <p:txBody>
+          <a:bodyPr wrap="square" rtlCol="1">
+            <a:spAutoFit/>
+          </a:bodyPr>
+          <a:lstStyle/>
+          <a:p>
+            <a:pPr algn="ctr"/>
+            <a:r>
+              <a:rPr lang="en-US" sz="3200" b="1" dirty="0"/>
+              <a:t>Thread Calling Tree </a:t>
+            </a:r>
+            <a:endParaRPr lang="he-IL" sz="3200" b="1" dirty="0"/>
+          </a:p>
+        </p:txBody>
+      </p:sp>
+    </p:spTree>
+    <p:extLst>
+      <p:ext uri="{BB962C8B-B14F-4D97-AF65-F5344CB8AC3E}">
+        <p14:creationId xmlns:p14="http://schemas.microsoft.com/office/powerpoint/2010/main" val="298898872"/>
+      </p:ext>
+    </p:extLst>
+  </p:cSld>
+  <p:clrMapOvr>
+    <a:masterClrMapping/>
+  </p:clrMapOvr>
+  <p:timing>
+    <p:tnLst>
+      <p:par>
+        <p:cTn id="1" dur="indefinite" restart="never" nodeType="tmRoot">
+          <p:childTnLst>
+            <p:seq concurrent="1" nextAc="seek">
+              <p:cTn id="2" dur="indefinite" nodeType="mainSeq">
+                <p:childTnLst>
+                  <p:par>
+                    <p:cTn id="3" fill="hold">
+                      <p:stCondLst>
+                        <p:cond delay="indefinite"/>
+                      </p:stCondLst>
+                      <p:childTnLst>
+                        <p:par>
+                          <p:cTn id="4" fill="hold">
+                            <p:stCondLst>
+                              <p:cond delay="0"/>
+                            </p:stCondLst>
+                            <p:childTnLst>
+                              <p:par>
+                                <p:cTn id="5" presetID="1" presetClass="entr" presetSubtype="0" fill="hold" grpId="0" nodeType="clickEffect">
+                                  <p:stCondLst>
+                                    <p:cond delay="0"/>
+                                  </p:stCondLst>
+                                  <p:childTnLst>
+                                    <p:set>
+                                      <p:cBhvr>
+                                        <p:cTn id="6" dur="1" fill="hold">
+                                          <p:stCondLst>
+                                            <p:cond delay="0"/>
+                                          </p:stCondLst>
+                                        </p:cTn>
+                                        <p:tgtEl>
+                                          <p:spTgt spid="5"/>
+                                        </p:tgtEl>
+                                        <p:attrNameLst>
+                                          <p:attrName>style.visibility</p:attrName>
+                                        </p:attrNameLst>
+                                      </p:cBhvr>
+                                      <p:to>
+                                        <p:strVal val="visible"/>
+                                      </p:to>
+                                    </p:set>
+                                  </p:childTnLst>
+                                </p:cTn>
+                              </p:par>
+                            </p:childTnLst>
+                          </p:cTn>
+                        </p:par>
+                      </p:childTnLst>
+                    </p:cTn>
+                  </p:par>
+                  <p:par>
+                    <p:cTn id="7" fill="hold">
+                      <p:stCondLst>
+                        <p:cond delay="indefinite"/>
+                      </p:stCondLst>
+                      <p:childTnLst>
+                        <p:par>
+                          <p:cTn id="8" fill="hold">
+                            <p:stCondLst>
+                              <p:cond delay="0"/>
+                            </p:stCondLst>
+                            <p:childTnLst>
+                              <p:par>
+                                <p:cTn id="9" presetID="1" presetClass="entr" presetSubtype="0" fill="hold" grpId="0" nodeType="clickEffect">
+                                  <p:stCondLst>
+                                    <p:cond delay="0"/>
+                                  </p:stCondLst>
+                                  <p:childTnLst>
+                                    <p:set>
+                                      <p:cBhvr>
+                                        <p:cTn id="10" dur="1" fill="hold">
+                                          <p:stCondLst>
+                                            <p:cond delay="0"/>
+                                          </p:stCondLst>
+                                        </p:cTn>
+                                        <p:tgtEl>
+                                          <p:spTgt spid="4"/>
+                                        </p:tgtEl>
+                                        <p:attrNameLst>
+                                          <p:attrName>style.visibility</p:attrName>
+                                        </p:attrNameLst>
+                                      </p:cBhvr>
+                                      <p:to>
+                                        <p:strVal val="visible"/>
+                                      </p:to>
+                                    </p:set>
+                                  </p:childTnLst>
+                                </p:cTn>
+                              </p:par>
+                            </p:childTnLst>
+                          </p:cTn>
+                        </p:par>
+                      </p:childTnLst>
+                    </p:cTn>
+                  </p:par>
+                  <p:par>
+                    <p:cTn id="11" fill="hold">
+                      <p:stCondLst>
+                        <p:cond delay="indefinite"/>
+                      </p:stCondLst>
+                      <p:childTnLst>
+                        <p:par>
+                          <p:cTn id="12" fill="hold">
+                            <p:stCondLst>
+                              <p:cond delay="0"/>
+                            </p:stCondLst>
+                            <p:childTnLst>
+                              <p:par>
+                                <p:cTn id="13" presetID="1" presetClass="entr" presetSubtype="0" fill="hold" grpId="0" nodeType="clickEffect">
+                                  <p:stCondLst>
+                                    <p:cond delay="0"/>
+                                  </p:stCondLst>
+                                  <p:childTnLst>
+                                    <p:set>
+                                      <p:cBhvr>
+                                        <p:cTn id="14" dur="1" fill="hold">
+                                          <p:stCondLst>
+                                            <p:cond delay="0"/>
+                                          </p:stCondLst>
+                                        </p:cTn>
+                                        <p:tgtEl>
+                                          <p:spTgt spid="6"/>
+                                        </p:tgtEl>
+                                        <p:attrNameLst>
+                                          <p:attrName>style.visibility</p:attrName>
+                                        </p:attrNameLst>
+                                      </p:cBhvr>
+                                      <p:to>
+                                        <p:strVal val="visible"/>
+                                      </p:to>
+                                    </p:set>
+                                  </p:childTnLst>
+                                </p:cTn>
+                              </p:par>
+                            </p:childTnLst>
+                          </p:cTn>
+                        </p:par>
+                      </p:childTnLst>
+                    </p:cTn>
+                  </p:par>
+                  <p:par>
+                    <p:cTn id="15" fill="hold">
+                      <p:stCondLst>
+                        <p:cond delay="indefinite"/>
+                      </p:stCondLst>
+                      <p:childTnLst>
+                        <p:par>
+                          <p:cTn id="16" fill="hold">
+                            <p:stCondLst>
+                              <p:cond delay="0"/>
+                            </p:stCondLst>
+                            <p:childTnLst>
+                              <p:par>
+                                <p:cTn id="17" presetID="1" presetClass="entr" presetSubtype="0" fill="hold" grpId="0" nodeType="clickEffect">
+                                  <p:stCondLst>
+                                    <p:cond delay="0"/>
+                                  </p:stCondLst>
+                                  <p:childTnLst>
+                                    <p:set>
+                                      <p:cBhvr>
+                                        <p:cTn id="18" dur="1" fill="hold">
+                                          <p:stCondLst>
+                                            <p:cond delay="0"/>
+                                          </p:stCondLst>
+                                        </p:cTn>
+                                        <p:tgtEl>
+                                          <p:spTgt spid="7"/>
+                                        </p:tgtEl>
+                                        <p:attrNameLst>
+                                          <p:attrName>style.visibility</p:attrName>
+                                        </p:attrNameLst>
+                                      </p:cBhvr>
+                                      <p:to>
+                                        <p:strVal val="visible"/>
+                                      </p:to>
+                                    </p:set>
+                                  </p:childTnLst>
+                                </p:cTn>
+                              </p:par>
+                            </p:childTnLst>
+                          </p:cTn>
+                        </p:par>
+                      </p:childTnLst>
+                    </p:cTn>
+                  </p:par>
+                  <p:par>
+                    <p:cTn id="19" fill="hold">
+                      <p:stCondLst>
+                        <p:cond delay="indefinite"/>
+                      </p:stCondLst>
+                      <p:childTnLst>
+                        <p:par>
+                          <p:cTn id="20" fill="hold">
+                            <p:stCondLst>
+                              <p:cond delay="0"/>
+                            </p:stCondLst>
+                            <p:childTnLst>
+                              <p:par>
+                                <p:cTn id="21" presetID="1" presetClass="entr" presetSubtype="0" fill="hold" grpId="0" nodeType="clickEffect">
+                                  <p:stCondLst>
+                                    <p:cond delay="0"/>
+                                  </p:stCondLst>
+                                  <p:childTnLst>
+                                    <p:set>
+                                      <p:cBhvr>
+                                        <p:cTn id="22" dur="1" fill="hold">
+                                          <p:stCondLst>
+                                            <p:cond delay="0"/>
+                                          </p:stCondLst>
+                                        </p:cTn>
+                                        <p:tgtEl>
+                                          <p:spTgt spid="8"/>
+                                        </p:tgtEl>
+                                        <p:attrNameLst>
+                                          <p:attrName>style.visibility</p:attrName>
+                                        </p:attrNameLst>
+                                      </p:cBhvr>
+                                      <p:to>
+                                        <p:strVal val="visible"/>
+                                      </p:to>
+                                    </p:set>
+                                  </p:childTnLst>
+                                </p:cTn>
+                              </p:par>
+                            </p:childTnLst>
+                          </p:cTn>
+                        </p:par>
+                      </p:childTnLst>
+                    </p:cTn>
+                  </p:par>
+                  <p:par>
+                    <p:cTn id="23" fill="hold">
+                      <p:stCondLst>
+                        <p:cond delay="indefinite"/>
+                      </p:stCondLst>
+                      <p:childTnLst>
+                        <p:par>
+                          <p:cTn id="24" fill="hold">
+                            <p:stCondLst>
+                              <p:cond delay="0"/>
+                            </p:stCondLst>
+                            <p:childTnLst>
+                              <p:par>
+                                <p:cTn id="25" presetID="1" presetClass="entr" presetSubtype="0" fill="hold" grpId="0" nodeType="clickEffect">
+                                  <p:stCondLst>
+                                    <p:cond delay="0"/>
+                                  </p:stCondLst>
+                                  <p:childTnLst>
+                                    <p:set>
+                                      <p:cBhvr>
+                                        <p:cTn id="26" dur="1" fill="hold">
+                                          <p:stCondLst>
+                                            <p:cond delay="0"/>
+                                          </p:stCondLst>
+                                        </p:cTn>
+                                        <p:tgtEl>
+                                          <p:spTgt spid="9"/>
+                                        </p:tgtEl>
+                                        <p:attrNameLst>
+                                          <p:attrName>style.visibility</p:attrName>
+                                        </p:attrNameLst>
+                                      </p:cBhvr>
+                                      <p:to>
+                                        <p:strVal val="visible"/>
+                                      </p:to>
+                                    </p:set>
+                                  </p:childTnLst>
+                                </p:cTn>
+                              </p:par>
+                            </p:childTnLst>
+                          </p:cTn>
+                        </p:par>
+                      </p:childTnLst>
+                    </p:cTn>
+                  </p:par>
+                  <p:par>
+                    <p:cTn id="27" fill="hold">
+                      <p:stCondLst>
+                        <p:cond delay="indefinite"/>
+                      </p:stCondLst>
+                      <p:childTnLst>
+                        <p:par>
+                          <p:cTn id="28" fill="hold">
+                            <p:stCondLst>
+                              <p:cond delay="0"/>
+                            </p:stCondLst>
+                            <p:childTnLst>
+                              <p:par>
+                                <p:cTn id="29" presetID="1" presetClass="entr" presetSubtype="0" fill="hold" grpId="0" nodeType="clickEffect">
+                                  <p:stCondLst>
+                                    <p:cond delay="0"/>
+                                  </p:stCondLst>
+                                  <p:childTnLst>
+                                    <p:set>
+                                      <p:cBhvr>
+                                        <p:cTn id="30" dur="1" fill="hold">
+                                          <p:stCondLst>
+                                            <p:cond delay="0"/>
+                                          </p:stCondLst>
+                                        </p:cTn>
+                                        <p:tgtEl>
+                                          <p:spTgt spid="10"/>
+                                        </p:tgtEl>
+                                        <p:attrNameLst>
+                                          <p:attrName>style.visibility</p:attrName>
+                                        </p:attrNameLst>
+                                      </p:cBhvr>
+                                      <p:to>
+                                        <p:strVal val="visible"/>
+                                      </p:to>
+                                    </p:set>
+                                  </p:childTnLst>
+                                </p:cTn>
+                              </p:par>
+                            </p:childTnLst>
+                          </p:cTn>
+                        </p:par>
+                      </p:childTnLst>
+                    </p:cTn>
+                  </p:par>
+                  <p:par>
+                    <p:cTn id="31" fill="hold">
+                      <p:stCondLst>
+                        <p:cond delay="indefinite"/>
+                      </p:stCondLst>
+                      <p:childTnLst>
+                        <p:par>
+                          <p:cTn id="32" fill="hold">
+                            <p:stCondLst>
+                              <p:cond delay="0"/>
+                            </p:stCondLst>
+                            <p:childTnLst>
+                              <p:par>
+                                <p:cTn id="33" presetID="1" presetClass="entr" presetSubtype="0" fill="hold" grpId="0" nodeType="clickEffect">
+                                  <p:stCondLst>
+                                    <p:cond delay="0"/>
+                                  </p:stCondLst>
+                                  <p:childTnLst>
+                                    <p:set>
+                                      <p:cBhvr>
+                                        <p:cTn id="34" dur="1" fill="hold">
+                                          <p:stCondLst>
+                                            <p:cond delay="0"/>
+                                          </p:stCondLst>
+                                        </p:cTn>
+                                        <p:tgtEl>
+                                          <p:spTgt spid="11"/>
+                                        </p:tgtEl>
+                                        <p:attrNameLst>
+                                          <p:attrName>style.visibility</p:attrName>
+                                        </p:attrNameLst>
+                                      </p:cBhvr>
+                                      <p:to>
+                                        <p:strVal val="visible"/>
+                                      </p:to>
+                                    </p:set>
+                                  </p:childTnLst>
+                                </p:cTn>
+                              </p:par>
+                            </p:childTnLst>
+                          </p:cTn>
+                        </p:par>
+                      </p:childTnLst>
+                    </p:cTn>
+                  </p:par>
+                  <p:par>
+                    <p:cTn id="35" fill="hold">
+                      <p:stCondLst>
+                        <p:cond delay="indefinite"/>
+                      </p:stCondLst>
+                      <p:childTnLst>
+                        <p:par>
+                          <p:cTn id="36" fill="hold">
+                            <p:stCondLst>
+                              <p:cond delay="0"/>
+                            </p:stCondLst>
+                            <p:childTnLst>
+                              <p:par>
+                                <p:cTn id="37" presetID="1" presetClass="entr" presetSubtype="0" fill="hold" grpId="0" nodeType="clickEffect">
+                                  <p:stCondLst>
+                                    <p:cond delay="0"/>
+                                  </p:stCondLst>
+                                  <p:childTnLst>
+                                    <p:set>
+                                      <p:cBhvr>
+                                        <p:cTn id="38" dur="1" fill="hold">
+                                          <p:stCondLst>
+                                            <p:cond delay="0"/>
+                                          </p:stCondLst>
+                                        </p:cTn>
+                                        <p:tgtEl>
+                                          <p:spTgt spid="12"/>
+                                        </p:tgtEl>
+                                        <p:attrNameLst>
+                                          <p:attrName>style.visibility</p:attrName>
+                                        </p:attrNameLst>
+                                      </p:cBhvr>
+                                      <p:to>
+                                        <p:strVal val="visible"/>
+                                      </p:to>
+                                    </p:set>
+                                  </p:childTnLst>
+                                </p:cTn>
+                              </p:par>
+                            </p:childTnLst>
+                          </p:cTn>
+                        </p:par>
+                      </p:childTnLst>
+                    </p:cTn>
+                  </p:par>
+                  <p:par>
+                    <p:cTn id="39" fill="hold">
+                      <p:stCondLst>
+                        <p:cond delay="indefinite"/>
+                      </p:stCondLst>
+                      <p:childTnLst>
+                        <p:par>
+                          <p:cTn id="40" fill="hold">
+                            <p:stCondLst>
+                              <p:cond delay="0"/>
+                            </p:stCondLst>
+                            <p:childTnLst>
+                              <p:par>
+                                <p:cTn id="41" presetID="1" presetClass="entr" presetSubtype="0" fill="hold" grpId="0" nodeType="clickEffect">
+                                  <p:stCondLst>
+                                    <p:cond delay="0"/>
+                                  </p:stCondLst>
+                                  <p:childTnLst>
+                                    <p:set>
+                                      <p:cBhvr>
+                                        <p:cTn id="42" dur="1" fill="hold">
+                                          <p:stCondLst>
+                                            <p:cond delay="0"/>
+                                          </p:stCondLst>
+                                        </p:cTn>
+                                        <p:tgtEl>
+                                          <p:spTgt spid="13"/>
+                                        </p:tgtEl>
+                                        <p:attrNameLst>
+                                          <p:attrName>style.visibility</p:attrName>
+                                        </p:attrNameLst>
+                                      </p:cBhvr>
+                                      <p:to>
+                                        <p:strVal val="visible"/>
+                                      </p:to>
+                                    </p:set>
+                                  </p:childTnLst>
+                                </p:cTn>
+                              </p:par>
+                            </p:childTnLst>
+                          </p:cTn>
+                        </p:par>
+                      </p:childTnLst>
+                    </p:cTn>
+                  </p:par>
+                  <p:par>
+                    <p:cTn id="43" fill="hold">
+                      <p:stCondLst>
+                        <p:cond delay="indefinite"/>
+                      </p:stCondLst>
+                      <p:childTnLst>
+                        <p:par>
+                          <p:cTn id="44" fill="hold">
+                            <p:stCondLst>
+                              <p:cond delay="0"/>
+                            </p:stCondLst>
+                            <p:childTnLst>
+                              <p:par>
+                                <p:cTn id="45" presetID="1" presetClass="entr" presetSubtype="0" fill="hold" grpId="0" nodeType="clickEffect">
+                                  <p:stCondLst>
+                                    <p:cond delay="0"/>
+                                  </p:stCondLst>
+                                  <p:childTnLst>
+                                    <p:set>
+                                      <p:cBhvr>
+                                        <p:cTn id="46" dur="1" fill="hold">
+                                          <p:stCondLst>
+                                            <p:cond delay="0"/>
+                                          </p:stCondLst>
+                                        </p:cTn>
+                                        <p:tgtEl>
+                                          <p:spTgt spid="14"/>
+                                        </p:tgtEl>
+                                        <p:attrNameLst>
+                                          <p:attrName>style.visibility</p:attrName>
+                                        </p:attrNameLst>
+                                      </p:cBhvr>
+                                      <p:to>
+                                        <p:strVal val="visible"/>
+                                      </p:to>
+                                    </p:set>
+                                  </p:childTnLst>
+                                </p:cTn>
+                              </p:par>
+                            </p:childTnLst>
+                          </p:cTn>
+                        </p:par>
+                      </p:childTnLst>
+                    </p:cTn>
+                  </p:par>
+                </p:childTnLst>
+              </p:cTn>
+              <p:prevCondLst>
+                <p:cond evt="onPrev" delay="0">
+                  <p:tgtEl>
+                    <p:sldTgt/>
+                  </p:tgtEl>
+                </p:cond>
+              </p:prevCondLst>
+              <p:nextCondLst>
+                <p:cond evt="onNext" delay="0">
+                  <p:tgtEl>
+                    <p:sldTgt/>
+                  </p:tgtEl>
+                </p:cond>
+              </p:nextCondLst>
+            </p:seq>
+          </p:childTnLst>
+        </p:cTn>
+      </p:par>
+    </p:tnLst>
+    <p:bldLst>
+      <p:bldP spid="4" grpId="0" animBg="1"/>
+      <p:bldP spid="5" grpId="0" animBg="1"/>
+      <p:bldP spid="6" grpId="0" animBg="1"/>
+      <p:bldP spid="7" grpId="0" animBg="1"/>
+      <p:bldP spid="8" grpId="0" animBg="1"/>
+      <p:bldP spid="9" grpId="0" animBg="1"/>
+      <p:bldP spid="10" grpId="0" animBg="1"/>
+      <p:bldP spid="11" grpId="0" animBg="1"/>
+      <p:bldP spid="12" grpId="0" animBg="1"/>
+      <p:bldP spid="13" grpId="0" animBg="1"/>
+      <p:bldP spid="14" grpId="0" animBg="1"/>
+    </p:bldLst>
+  </p:timing>
+</p:sld>
+</file>
+
 <file path=ppt/theme/theme1.xml><?xml version="1.0" encoding="utf-8"?>
 <a:theme xmlns:a="http://schemas.openxmlformats.org/drawingml/2006/main" name="Office Theme">
   <a:themeElements>
